--- a/presentation.pptx
+++ b/presentation.pptx
@@ -11,10 +11,11 @@
     <p:sldId id="257" r:id="rId5"/>
     <p:sldId id="260" r:id="rId6"/>
     <p:sldId id="262" r:id="rId7"/>
-    <p:sldId id="264" r:id="rId8"/>
-    <p:sldId id="267" r:id="rId9"/>
-    <p:sldId id="263" r:id="rId10"/>
-    <p:sldId id="258" r:id="rId11"/>
+    <p:sldId id="268" r:id="rId8"/>
+    <p:sldId id="264" r:id="rId9"/>
+    <p:sldId id="267" r:id="rId10"/>
+    <p:sldId id="263" r:id="rId11"/>
+    <p:sldId id="258" r:id="rId12"/>
   </p:sldIdLst>
   <p:sldSz cx="12192000" cy="6858000"/>
   <p:notesSz cx="6858000" cy="9144000"/>
@@ -5958,6 +5959,173 @@
       </p:grpSpPr>
       <p:sp>
         <p:nvSpPr>
+          <p:cNvPr id="4" name="TextBox 3"/>
+          <p:cNvSpPr txBox="1"/>
+          <p:nvPr/>
+        </p:nvSpPr>
+        <p:spPr>
+          <a:xfrm>
+            <a:off x="790196" y="984130"/>
+            <a:ext cx="7454900" cy="3385542"/>
+          </a:xfrm>
+          <a:prstGeom prst="rect">
+            <a:avLst/>
+          </a:prstGeom>
+          <a:noFill/>
+        </p:spPr>
+        <p:txBody>
+          <a:bodyPr wrap="square" rtlCol="0">
+            <a:spAutoFit/>
+          </a:bodyPr>
+          <a:lstStyle/>
+          <a:p>
+            <a:r>
+              <a:rPr lang="en-CA" sz="2800" dirty="0" smtClean="0">
+                <a:solidFill>
+                  <a:schemeClr val="accent1"/>
+                </a:solidFill>
+              </a:rPr>
+              <a:t>  Data is highly secured</a:t>
+            </a:r>
+          </a:p>
+          <a:p>
+            <a:endParaRPr lang="en-CA" sz="2800" dirty="0" smtClean="0">
+              <a:solidFill>
+                <a:schemeClr val="accent1"/>
+              </a:solidFill>
+            </a:endParaRPr>
+          </a:p>
+          <a:p>
+            <a:pPr marL="742950" lvl="1" indent="-285750">
+              <a:buFont typeface="Arial" panose="020B0604020202020204" pitchFamily="34" charset="0"/>
+              <a:buChar char="•"/>
+            </a:pPr>
+            <a:r>
+              <a:rPr lang="en-CA" sz="2800" dirty="0" smtClean="0">
+                <a:solidFill>
+                  <a:schemeClr val="accent1"/>
+                </a:solidFill>
+              </a:rPr>
+              <a:t>Very limited amount of data is required </a:t>
+            </a:r>
+          </a:p>
+          <a:p>
+            <a:pPr marL="742950" lvl="1" indent="-285750">
+              <a:buFont typeface="Arial" panose="020B0604020202020204" pitchFamily="34" charset="0"/>
+              <a:buChar char="•"/>
+            </a:pPr>
+            <a:r>
+              <a:rPr lang="en-CA" sz="2800" dirty="0" smtClean="0">
+                <a:solidFill>
+                  <a:schemeClr val="accent1"/>
+                </a:solidFill>
+              </a:rPr>
+              <a:t>All private data is purged at 12 am every night</a:t>
+            </a:r>
+          </a:p>
+          <a:p>
+            <a:pPr marL="742950" lvl="1" indent="-285750">
+              <a:buFont typeface="Arial" panose="020B0604020202020204" pitchFamily="34" charset="0"/>
+              <a:buChar char="•"/>
+            </a:pPr>
+            <a:r>
+              <a:rPr lang="en-CA" sz="2800" dirty="0" smtClean="0">
+                <a:solidFill>
+                  <a:schemeClr val="accent1"/>
+                </a:solidFill>
+              </a:rPr>
+              <a:t>Data are stored locally, no un-authorized access is permitted</a:t>
+            </a:r>
+          </a:p>
+          <a:p>
+            <a:pPr marL="742950" lvl="1" indent="-285750">
+              <a:buFont typeface="Arial" panose="020B0604020202020204" pitchFamily="34" charset="0"/>
+              <a:buChar char="•"/>
+            </a:pPr>
+            <a:endParaRPr lang="en-CA" dirty="0" smtClean="0"/>
+          </a:p>
+        </p:txBody>
+      </p:sp>
+      <p:pic>
+        <p:nvPicPr>
+          <p:cNvPr id="4102" name="Picture 6" descr="http://www.euro-noze.sk/sub/euro-noze.sk/images/Safe_and_secured.png"/>
+          <p:cNvPicPr>
+            <a:picLocks noChangeAspect="1" noChangeArrowheads="1"/>
+          </p:cNvPicPr>
+          <p:nvPr/>
+        </p:nvPicPr>
+        <p:blipFill>
+          <a:blip r:embed="rId2">
+            <a:extLst>
+              <a:ext uri="{28A0092B-C50C-407E-A947-70E740481C1C}">
+                <a14:useLocalDpi xmlns:a14="http://schemas.microsoft.com/office/drawing/2010/main" val="0"/>
+              </a:ext>
+            </a:extLst>
+          </a:blip>
+          <a:srcRect/>
+          <a:stretch>
+            <a:fillRect/>
+          </a:stretch>
+        </p:blipFill>
+        <p:spPr bwMode="auto">
+          <a:xfrm>
+            <a:off x="6232944" y="2985638"/>
+            <a:ext cx="5010150" cy="4105275"/>
+          </a:xfrm>
+          <a:prstGeom prst="rect">
+            <a:avLst/>
+          </a:prstGeom>
+          <a:noFill/>
+          <a:extLst>
+            <a:ext uri="{909E8E84-426E-40DD-AFC4-6F175D3DCCD1}">
+              <a14:hiddenFill xmlns:a14="http://schemas.microsoft.com/office/drawing/2010/main">
+                <a:solidFill>
+                  <a:srgbClr val="FFFFFF"/>
+                </a:solidFill>
+              </a14:hiddenFill>
+            </a:ext>
+          </a:extLst>
+        </p:spPr>
+      </p:pic>
+    </p:spTree>
+    <p:extLst>
+      <p:ext uri="{BB962C8B-B14F-4D97-AF65-F5344CB8AC3E}">
+        <p14:creationId xmlns:p14="http://schemas.microsoft.com/office/powerpoint/2010/main" val="3086087068"/>
+      </p:ext>
+    </p:extLst>
+  </p:cSld>
+  <p:clrMapOvr>
+    <a:masterClrMapping/>
+  </p:clrMapOvr>
+  <p:timing>
+    <p:tnLst>
+      <p:par>
+        <p:cTn id="1" dur="indefinite" restart="never" nodeType="tmRoot"/>
+      </p:par>
+    </p:tnLst>
+  </p:timing>
+</p:sld>
+</file>
+
+<file path=ppt/slides/slide11.xml><?xml version="1.0" encoding="utf-8"?>
+<p:sld xmlns:a="http://schemas.openxmlformats.org/drawingml/2006/main" xmlns:r="http://schemas.openxmlformats.org/officeDocument/2006/relationships" xmlns:p="http://schemas.openxmlformats.org/presentationml/2006/main">
+  <p:cSld>
+    <p:spTree>
+      <p:nvGrpSpPr>
+        <p:cNvPr id="1" name=""/>
+        <p:cNvGrpSpPr/>
+        <p:nvPr/>
+      </p:nvGrpSpPr>
+      <p:grpSpPr>
+        <a:xfrm>
+          <a:off x="0" y="0"/>
+          <a:ext cx="0" cy="0"/>
+          <a:chOff x="0" y="0"/>
+          <a:chExt cx="0" cy="0"/>
+        </a:xfrm>
+      </p:grpSpPr>
+      <p:sp>
+        <p:nvSpPr>
           <p:cNvPr id="9" name="Rectangle 8"/>
           <p:cNvSpPr/>
           <p:nvPr/>
@@ -5965,7 +6133,7 @@
         <p:spPr>
           <a:xfrm>
             <a:off x="774700" y="2039035"/>
-            <a:ext cx="8585200" cy="3108543"/>
+            <a:ext cx="8585200" cy="3970318"/>
           </a:xfrm>
           <a:prstGeom prst="rect">
             <a:avLst/>
@@ -6019,7 +6187,35 @@
                 </a:solidFill>
                 <a:hlinkClick r:id="rId3"/>
               </a:rPr>
-              <a:t>http://www.consumerreports.org/cro/news/2015/02/consumer-reports-gave-california-hospital-with-deadly-infection-a-low-score/index.htm</a:t>
+              <a:t>http://</a:t>
+            </a:r>
+            <a:r>
+              <a:rPr lang="en-US" sz="2800" dirty="0" smtClean="0">
+                <a:solidFill>
+                  <a:schemeClr val="accent1"/>
+                </a:solidFill>
+                <a:hlinkClick r:id="rId3"/>
+              </a:rPr>
+              <a:t>www.consumerreports.org/cro/news/2015/02/consumer-reports-gave-california-hospital-with-deadly-infection-a-low-score/index.htm</a:t>
+            </a:r>
+            <a:endParaRPr lang="en-US" sz="2800" dirty="0" smtClean="0">
+              <a:solidFill>
+                <a:schemeClr val="accent1"/>
+              </a:solidFill>
+            </a:endParaRPr>
+          </a:p>
+          <a:p>
+            <a:pPr marL="285750" indent="-285750">
+              <a:buFont typeface="Arial" panose="020B0604020202020204" pitchFamily="34" charset="0"/>
+              <a:buChar char="•"/>
+            </a:pPr>
+            <a:r>
+              <a:rPr lang="en-US" sz="2800" dirty="0">
+                <a:solidFill>
+                  <a:schemeClr val="accent1"/>
+                </a:solidFill>
+              </a:rPr>
+              <a:t>http://napra.ca/pages/Practice_Resources/National_Statistics.aspx?id=2104</a:t>
             </a:r>
             <a:endParaRPr lang="en-US" sz="2800" dirty="0" smtClean="0">
               <a:solidFill>
@@ -6775,8 +6971,8 @@
         </p:nvSpPr>
         <p:spPr>
           <a:xfrm>
-            <a:off x="1642534" y="2438400"/>
-            <a:ext cx="8623300" cy="3416320"/>
+            <a:off x="1532467" y="2095500"/>
+            <a:ext cx="8623300" cy="3831818"/>
           </a:xfrm>
           <a:prstGeom prst="rect">
             <a:avLst/>
@@ -6795,8 +6991,21 @@
                   <a:schemeClr val="accent1"/>
                 </a:solidFill>
               </a:rPr>
-              <a:t>A software system that saves patients’ time of waiting, by sending patients SMS notifications.</a:t>
-            </a:r>
+              <a:t>A software system that saves patients’ time of waiting, by sending patients SMS </a:t>
+            </a:r>
+            <a:r>
+              <a:rPr lang="en-CA" sz="2700" dirty="0" smtClean="0">
+                <a:solidFill>
+                  <a:schemeClr val="accent1"/>
+                </a:solidFill>
+              </a:rPr>
+              <a:t>text message 20 minutes before their doctor can see them</a:t>
+            </a:r>
+            <a:endParaRPr lang="en-CA" sz="2700" dirty="0" smtClean="0">
+              <a:solidFill>
+                <a:schemeClr val="accent1"/>
+              </a:solidFill>
+            </a:endParaRPr>
           </a:p>
           <a:p>
             <a:endParaRPr lang="en-CA" sz="2700" dirty="0">
@@ -6812,7 +7021,31 @@
                   <a:schemeClr val="accent1"/>
                 </a:solidFill>
               </a:rPr>
-              <a:t>Consist of </a:t>
+              <a:t>The system </a:t>
+            </a:r>
+            <a:r>
+              <a:rPr lang="en-CA" sz="2700" dirty="0" smtClean="0">
+                <a:solidFill>
+                  <a:schemeClr val="accent1"/>
+                </a:solidFill>
+              </a:rPr>
+              <a:t>c</a:t>
+            </a:r>
+            <a:r>
+              <a:rPr lang="en-CA" sz="2700" dirty="0" smtClean="0">
+                <a:solidFill>
+                  <a:schemeClr val="accent1"/>
+                </a:solidFill>
+              </a:rPr>
+              <a:t>onsists </a:t>
+            </a:r>
+            <a:r>
+              <a:rPr lang="en-CA" sz="2700" dirty="0" smtClean="0">
+                <a:solidFill>
+                  <a:schemeClr val="accent1"/>
+                </a:solidFill>
+              </a:rPr>
+              <a:t>of </a:t>
             </a:r>
           </a:p>
           <a:p>
@@ -6907,7 +7140,7 @@
         </p:blipFill>
         <p:spPr bwMode="auto">
           <a:xfrm>
-            <a:off x="6737929" y="3427231"/>
+            <a:off x="7541971" y="3330094"/>
             <a:ext cx="3527905" cy="3527906"/>
           </a:xfrm>
           <a:prstGeom prst="rect">
@@ -6946,6 +7179,188 @@
 </file>
 
 <file path=ppt/slides/slide7.xml><?xml version="1.0" encoding="utf-8"?>
+<p:sld xmlns:a="http://schemas.openxmlformats.org/drawingml/2006/main" xmlns:r="http://schemas.openxmlformats.org/officeDocument/2006/relationships" xmlns:p="http://schemas.openxmlformats.org/presentationml/2006/main">
+  <p:cSld>
+    <p:spTree>
+      <p:nvGrpSpPr>
+        <p:cNvPr id="1" name=""/>
+        <p:cNvGrpSpPr/>
+        <p:nvPr/>
+      </p:nvGrpSpPr>
+      <p:grpSpPr>
+        <a:xfrm>
+          <a:off x="0" y="0"/>
+          <a:ext cx="0" cy="0"/>
+          <a:chOff x="0" y="0"/>
+          <a:chExt cx="0" cy="0"/>
+        </a:xfrm>
+      </p:grpSpPr>
+      <p:sp>
+        <p:nvSpPr>
+          <p:cNvPr id="5" name="Title 4"/>
+          <p:cNvSpPr>
+            <a:spLocks noGrp="1"/>
+          </p:cNvSpPr>
+          <p:nvPr>
+            <p:ph type="title"/>
+          </p:nvPr>
+        </p:nvSpPr>
+        <p:spPr>
+          <a:xfrm>
+            <a:off x="1642534" y="774700"/>
+            <a:ext cx="8403166" cy="1320800"/>
+          </a:xfrm>
+        </p:spPr>
+        <p:txBody>
+          <a:bodyPr/>
+          <a:lstStyle/>
+          <a:p>
+            <a:r>
+              <a:rPr lang="en-CA" dirty="0" smtClean="0"/>
+              <a:t>What is Clinic </a:t>
+            </a:r>
+            <a:r>
+              <a:rPr lang="en-CA" dirty="0"/>
+              <a:t>Appointment System</a:t>
+            </a:r>
+            <a:endParaRPr lang="en-US" dirty="0"/>
+          </a:p>
+        </p:txBody>
+      </p:sp>
+      <p:sp>
+        <p:nvSpPr>
+          <p:cNvPr id="6" name="TextBox 5"/>
+          <p:cNvSpPr txBox="1"/>
+          <p:nvPr/>
+        </p:nvSpPr>
+        <p:spPr>
+          <a:xfrm>
+            <a:off x="1642534" y="2438400"/>
+            <a:ext cx="8623300" cy="3416320"/>
+          </a:xfrm>
+          <a:prstGeom prst="rect">
+            <a:avLst/>
+          </a:prstGeom>
+          <a:noFill/>
+        </p:spPr>
+        <p:txBody>
+          <a:bodyPr wrap="square" rtlCol="0">
+            <a:spAutoFit/>
+          </a:bodyPr>
+          <a:lstStyle/>
+          <a:p>
+            <a:r>
+              <a:rPr lang="en-CA" sz="2700" dirty="0" smtClean="0">
+                <a:solidFill>
+                  <a:schemeClr val="accent1"/>
+                </a:solidFill>
+              </a:rPr>
+              <a:t>Target market: </a:t>
+            </a:r>
+          </a:p>
+          <a:p>
+            <a:r>
+              <a:rPr lang="en-CA" sz="2700" dirty="0" smtClean="0">
+                <a:solidFill>
+                  <a:schemeClr val="accent1"/>
+                </a:solidFill>
+              </a:rPr>
+              <a:t>Clinics, pharmacies, agencies, any offices where long queues exists</a:t>
+            </a:r>
+          </a:p>
+          <a:p>
+            <a:endParaRPr lang="en-CA" sz="2700" dirty="0">
+              <a:solidFill>
+                <a:schemeClr val="accent1"/>
+              </a:solidFill>
+            </a:endParaRPr>
+          </a:p>
+          <a:p>
+            <a:r>
+              <a:rPr lang="en-CA" sz="2700" smtClean="0">
+                <a:solidFill>
+                  <a:schemeClr val="accent1"/>
+                </a:solidFill>
+              </a:rPr>
+              <a:t>Facts: </a:t>
+            </a:r>
+            <a:endParaRPr lang="en-CA" sz="2700" dirty="0" smtClean="0">
+              <a:solidFill>
+                <a:schemeClr val="accent1"/>
+              </a:solidFill>
+            </a:endParaRPr>
+          </a:p>
+          <a:p>
+            <a:pPr marL="457200" indent="-457200">
+              <a:buFont typeface="Arial" panose="020B0604020202020204" pitchFamily="34" charset="0"/>
+              <a:buChar char="•"/>
+            </a:pPr>
+            <a:r>
+              <a:rPr lang="en-CA" sz="2700" dirty="0" smtClean="0">
+                <a:solidFill>
+                  <a:schemeClr val="accent1"/>
+                </a:solidFill>
+              </a:rPr>
+              <a:t>72, 500 medical doctors (2011)</a:t>
+            </a:r>
+          </a:p>
+          <a:p>
+            <a:pPr marL="457200" indent="-457200">
+              <a:buFont typeface="Arial" panose="020B0604020202020204" pitchFamily="34" charset="0"/>
+              <a:buChar char="•"/>
+            </a:pPr>
+            <a:r>
+              <a:rPr lang="en-CA" sz="2700" dirty="0" smtClean="0">
+                <a:solidFill>
+                  <a:schemeClr val="accent1"/>
+                </a:solidFill>
+              </a:rPr>
+              <a:t>9843 Pharmacies (2015) </a:t>
+            </a:r>
+            <a:endParaRPr lang="en-CA" sz="2700" dirty="0">
+              <a:solidFill>
+                <a:schemeClr val="accent1"/>
+              </a:solidFill>
+            </a:endParaRPr>
+          </a:p>
+          <a:p>
+            <a:r>
+              <a:rPr lang="en-CA" sz="2700" dirty="0" smtClean="0">
+                <a:solidFill>
+                  <a:schemeClr val="accent1"/>
+                </a:solidFill>
+              </a:rPr>
+              <a:t>(In Canada)</a:t>
+            </a:r>
+            <a:endParaRPr lang="en-CA" sz="2700" dirty="0" smtClean="0">
+              <a:solidFill>
+                <a:schemeClr val="accent1"/>
+              </a:solidFill>
+            </a:endParaRPr>
+          </a:p>
+        </p:txBody>
+      </p:sp>
+    </p:spTree>
+    <p:extLst>
+      <p:ext uri="{BB962C8B-B14F-4D97-AF65-F5344CB8AC3E}">
+        <p14:creationId xmlns:p14="http://schemas.microsoft.com/office/powerpoint/2010/main" val="3830964656"/>
+      </p:ext>
+    </p:extLst>
+  </p:cSld>
+  <p:clrMapOvr>
+    <a:masterClrMapping/>
+  </p:clrMapOvr>
+  <p:timing>
+    <p:tnLst>
+      <p:par>
+        <p:cTn id="1" dur="indefinite" restart="never" nodeType="tmRoot"/>
+      </p:par>
+    </p:tnLst>
+  </p:timing>
+</p:sld>
+</file>
+
+<file path=ppt/slides/slide8.xml><?xml version="1.0" encoding="utf-8"?>
 <p:sld xmlns:a="http://schemas.openxmlformats.org/drawingml/2006/main" xmlns:r="http://schemas.openxmlformats.org/officeDocument/2006/relationships" xmlns:p="http://schemas.openxmlformats.org/presentationml/2006/main">
   <p:cSld>
     <p:spTree>
@@ -7040,7 +7455,7 @@
 </p:sld>
 </file>
 
-<file path=ppt/slides/slide8.xml><?xml version="1.0" encoding="utf-8"?>
+<file path=ppt/slides/slide9.xml><?xml version="1.0" encoding="utf-8"?>
 <p:sld xmlns:a="http://schemas.openxmlformats.org/drawingml/2006/main" xmlns:r="http://schemas.openxmlformats.org/officeDocument/2006/relationships" xmlns:p="http://schemas.openxmlformats.org/presentationml/2006/main">
   <p:cSld>
     <p:spTree>
@@ -7229,173 +7644,6 @@
     <p:extLst>
       <p:ext uri="{BB962C8B-B14F-4D97-AF65-F5344CB8AC3E}">
         <p14:creationId xmlns:p14="http://schemas.microsoft.com/office/powerpoint/2010/main" val="4079653429"/>
-      </p:ext>
-    </p:extLst>
-  </p:cSld>
-  <p:clrMapOvr>
-    <a:masterClrMapping/>
-  </p:clrMapOvr>
-  <p:timing>
-    <p:tnLst>
-      <p:par>
-        <p:cTn id="1" dur="indefinite" restart="never" nodeType="tmRoot"/>
-      </p:par>
-    </p:tnLst>
-  </p:timing>
-</p:sld>
-</file>
-
-<file path=ppt/slides/slide9.xml><?xml version="1.0" encoding="utf-8"?>
-<p:sld xmlns:a="http://schemas.openxmlformats.org/drawingml/2006/main" xmlns:r="http://schemas.openxmlformats.org/officeDocument/2006/relationships" xmlns:p="http://schemas.openxmlformats.org/presentationml/2006/main">
-  <p:cSld>
-    <p:spTree>
-      <p:nvGrpSpPr>
-        <p:cNvPr id="1" name=""/>
-        <p:cNvGrpSpPr/>
-        <p:nvPr/>
-      </p:nvGrpSpPr>
-      <p:grpSpPr>
-        <a:xfrm>
-          <a:off x="0" y="0"/>
-          <a:ext cx="0" cy="0"/>
-          <a:chOff x="0" y="0"/>
-          <a:chExt cx="0" cy="0"/>
-        </a:xfrm>
-      </p:grpSpPr>
-      <p:sp>
-        <p:nvSpPr>
-          <p:cNvPr id="4" name="TextBox 3"/>
-          <p:cNvSpPr txBox="1"/>
-          <p:nvPr/>
-        </p:nvSpPr>
-        <p:spPr>
-          <a:xfrm>
-            <a:off x="790196" y="984130"/>
-            <a:ext cx="7454900" cy="3385542"/>
-          </a:xfrm>
-          <a:prstGeom prst="rect">
-            <a:avLst/>
-          </a:prstGeom>
-          <a:noFill/>
-        </p:spPr>
-        <p:txBody>
-          <a:bodyPr wrap="square" rtlCol="0">
-            <a:spAutoFit/>
-          </a:bodyPr>
-          <a:lstStyle/>
-          <a:p>
-            <a:r>
-              <a:rPr lang="en-CA" sz="2800" dirty="0" smtClean="0">
-                <a:solidFill>
-                  <a:schemeClr val="accent1"/>
-                </a:solidFill>
-              </a:rPr>
-              <a:t>  Data is highly secured</a:t>
-            </a:r>
-          </a:p>
-          <a:p>
-            <a:endParaRPr lang="en-CA" sz="2800" dirty="0" smtClean="0">
-              <a:solidFill>
-                <a:schemeClr val="accent1"/>
-              </a:solidFill>
-            </a:endParaRPr>
-          </a:p>
-          <a:p>
-            <a:pPr marL="742950" lvl="1" indent="-285750">
-              <a:buFont typeface="Arial" panose="020B0604020202020204" pitchFamily="34" charset="0"/>
-              <a:buChar char="•"/>
-            </a:pPr>
-            <a:r>
-              <a:rPr lang="en-CA" sz="2800" dirty="0" smtClean="0">
-                <a:solidFill>
-                  <a:schemeClr val="accent1"/>
-                </a:solidFill>
-              </a:rPr>
-              <a:t>Very limited amount of data is required </a:t>
-            </a:r>
-          </a:p>
-          <a:p>
-            <a:pPr marL="742950" lvl="1" indent="-285750">
-              <a:buFont typeface="Arial" panose="020B0604020202020204" pitchFamily="34" charset="0"/>
-              <a:buChar char="•"/>
-            </a:pPr>
-            <a:r>
-              <a:rPr lang="en-CA" sz="2800" dirty="0" smtClean="0">
-                <a:solidFill>
-                  <a:schemeClr val="accent1"/>
-                </a:solidFill>
-              </a:rPr>
-              <a:t>All private data is purged at 12 am every night</a:t>
-            </a:r>
-          </a:p>
-          <a:p>
-            <a:pPr marL="742950" lvl="1" indent="-285750">
-              <a:buFont typeface="Arial" panose="020B0604020202020204" pitchFamily="34" charset="0"/>
-              <a:buChar char="•"/>
-            </a:pPr>
-            <a:r>
-              <a:rPr lang="en-CA" sz="2800" dirty="0" smtClean="0">
-                <a:solidFill>
-                  <a:schemeClr val="accent1"/>
-                </a:solidFill>
-              </a:rPr>
-              <a:t>Data are stored locally, no un-authorized access is permitted</a:t>
-            </a:r>
-          </a:p>
-          <a:p>
-            <a:pPr marL="742950" lvl="1" indent="-285750">
-              <a:buFont typeface="Arial" panose="020B0604020202020204" pitchFamily="34" charset="0"/>
-              <a:buChar char="•"/>
-            </a:pPr>
-            <a:endParaRPr lang="en-CA" dirty="0" smtClean="0"/>
-          </a:p>
-        </p:txBody>
-      </p:sp>
-      <p:pic>
-        <p:nvPicPr>
-          <p:cNvPr id="4102" name="Picture 6" descr="http://www.euro-noze.sk/sub/euro-noze.sk/images/Safe_and_secured.png"/>
-          <p:cNvPicPr>
-            <a:picLocks noChangeAspect="1" noChangeArrowheads="1"/>
-          </p:cNvPicPr>
-          <p:nvPr/>
-        </p:nvPicPr>
-        <p:blipFill>
-          <a:blip r:embed="rId2">
-            <a:extLst>
-              <a:ext uri="{28A0092B-C50C-407E-A947-70E740481C1C}">
-                <a14:useLocalDpi xmlns:a14="http://schemas.microsoft.com/office/drawing/2010/main" val="0"/>
-              </a:ext>
-            </a:extLst>
-          </a:blip>
-          <a:srcRect/>
-          <a:stretch>
-            <a:fillRect/>
-          </a:stretch>
-        </p:blipFill>
-        <p:spPr bwMode="auto">
-          <a:xfrm>
-            <a:off x="6232944" y="2985638"/>
-            <a:ext cx="5010150" cy="4105275"/>
-          </a:xfrm>
-          <a:prstGeom prst="rect">
-            <a:avLst/>
-          </a:prstGeom>
-          <a:noFill/>
-          <a:extLst>
-            <a:ext uri="{909E8E84-426E-40DD-AFC4-6F175D3DCCD1}">
-              <a14:hiddenFill xmlns:a14="http://schemas.microsoft.com/office/drawing/2010/main">
-                <a:solidFill>
-                  <a:srgbClr val="FFFFFF"/>
-                </a:solidFill>
-              </a14:hiddenFill>
-            </a:ext>
-          </a:extLst>
-        </p:spPr>
-      </p:pic>
-    </p:spTree>
-    <p:extLst>
-      <p:ext uri="{BB962C8B-B14F-4D97-AF65-F5344CB8AC3E}">
-        <p14:creationId xmlns:p14="http://schemas.microsoft.com/office/powerpoint/2010/main" val="3086087068"/>
       </p:ext>
     </p:extLst>
   </p:cSld>
